--- a/Tokens/Tokens.pptx
+++ b/Tokens/Tokens.pptx
@@ -5,10 +5,11 @@
     <p:sldMasterId id="2147483660" r:id="rId1"/>
   </p:sldMasterIdLst>
   <p:notesMasterIdLst>
-    <p:notesMasterId r:id="rId3"/>
+    <p:notesMasterId r:id="rId4"/>
   </p:notesMasterIdLst>
   <p:sldIdLst>
     <p:sldId id="256" r:id="rId2"/>
+    <p:sldId id="257" r:id="rId3"/>
   </p:sldIdLst>
   <p:sldSz cx="6858000" cy="12192000"/>
   <p:notesSz cx="6858000" cy="9144000"/>
@@ -107,6 +108,11 @@
       </a:defRPr>
     </a:lvl9pPr>
   </p:defaultTextStyle>
+  <p:extLst>
+    <p:ext uri="{EFAFB233-063F-42B5-8137-9DF3F51BA10A}">
+      <p15:sldGuideLst xmlns:p15="http://schemas.microsoft.com/office/powerpoint/2012/main"/>
+    </p:ext>
+  </p:extLst>
 </p:presentation>
 </file>
 
@@ -192,7 +198,7 @@
           <a:p>
             <a:fld id="{9A68C8B2-C028-48E8-A086-190C7F309654}" type="datetimeFigureOut">
               <a:rPr lang="de-AT" smtClean="0"/>
-              <a:t>30.05.2016</a:t>
+              <a:t>04.06.2016</a:t>
             </a:fld>
             <a:endParaRPr lang="de-AT"/>
           </a:p>
@@ -591,7 +597,7 @@
           <a:p>
             <a:fld id="{AAF17F01-35E4-4C4C-A9CE-5AC5628BD3BB}" type="datetimeFigureOut">
               <a:rPr lang="de-AT" smtClean="0"/>
-              <a:t>30.05.2016</a:t>
+              <a:t>04.06.2016</a:t>
             </a:fld>
             <a:endParaRPr lang="de-AT"/>
           </a:p>
@@ -761,7 +767,7 @@
           <a:p>
             <a:fld id="{AAF17F01-35E4-4C4C-A9CE-5AC5628BD3BB}" type="datetimeFigureOut">
               <a:rPr lang="de-AT" smtClean="0"/>
-              <a:t>30.05.2016</a:t>
+              <a:t>04.06.2016</a:t>
             </a:fld>
             <a:endParaRPr lang="de-AT"/>
           </a:p>
@@ -941,7 +947,7 @@
           <a:p>
             <a:fld id="{AAF17F01-35E4-4C4C-A9CE-5AC5628BD3BB}" type="datetimeFigureOut">
               <a:rPr lang="de-AT" smtClean="0"/>
-              <a:t>30.05.2016</a:t>
+              <a:t>04.06.2016</a:t>
             </a:fld>
             <a:endParaRPr lang="de-AT"/>
           </a:p>
@@ -1111,7 +1117,7 @@
           <a:p>
             <a:fld id="{AAF17F01-35E4-4C4C-A9CE-5AC5628BD3BB}" type="datetimeFigureOut">
               <a:rPr lang="de-AT" smtClean="0"/>
-              <a:t>30.05.2016</a:t>
+              <a:t>04.06.2016</a:t>
             </a:fld>
             <a:endParaRPr lang="de-AT"/>
           </a:p>
@@ -1355,7 +1361,7 @@
           <a:p>
             <a:fld id="{AAF17F01-35E4-4C4C-A9CE-5AC5628BD3BB}" type="datetimeFigureOut">
               <a:rPr lang="de-AT" smtClean="0"/>
-              <a:t>30.05.2016</a:t>
+              <a:t>04.06.2016</a:t>
             </a:fld>
             <a:endParaRPr lang="de-AT"/>
           </a:p>
@@ -1587,7 +1593,7 @@
           <a:p>
             <a:fld id="{AAF17F01-35E4-4C4C-A9CE-5AC5628BD3BB}" type="datetimeFigureOut">
               <a:rPr lang="de-AT" smtClean="0"/>
-              <a:t>30.05.2016</a:t>
+              <a:t>04.06.2016</a:t>
             </a:fld>
             <a:endParaRPr lang="de-AT"/>
           </a:p>
@@ -1954,7 +1960,7 @@
           <a:p>
             <a:fld id="{AAF17F01-35E4-4C4C-A9CE-5AC5628BD3BB}" type="datetimeFigureOut">
               <a:rPr lang="de-AT" smtClean="0"/>
-              <a:t>30.05.2016</a:t>
+              <a:t>04.06.2016</a:t>
             </a:fld>
             <a:endParaRPr lang="de-AT"/>
           </a:p>
@@ -2072,7 +2078,7 @@
           <a:p>
             <a:fld id="{AAF17F01-35E4-4C4C-A9CE-5AC5628BD3BB}" type="datetimeFigureOut">
               <a:rPr lang="de-AT" smtClean="0"/>
-              <a:t>30.05.2016</a:t>
+              <a:t>04.06.2016</a:t>
             </a:fld>
             <a:endParaRPr lang="de-AT"/>
           </a:p>
@@ -2167,7 +2173,7 @@
           <a:p>
             <a:fld id="{AAF17F01-35E4-4C4C-A9CE-5AC5628BD3BB}" type="datetimeFigureOut">
               <a:rPr lang="de-AT" smtClean="0"/>
-              <a:t>30.05.2016</a:t>
+              <a:t>04.06.2016</a:t>
             </a:fld>
             <a:endParaRPr lang="de-AT"/>
           </a:p>
@@ -2444,7 +2450,7 @@
           <a:p>
             <a:fld id="{AAF17F01-35E4-4C4C-A9CE-5AC5628BD3BB}" type="datetimeFigureOut">
               <a:rPr lang="de-AT" smtClean="0"/>
-              <a:t>30.05.2016</a:t>
+              <a:t>04.06.2016</a:t>
             </a:fld>
             <a:endParaRPr lang="de-AT"/>
           </a:p>
@@ -2701,7 +2707,7 @@
           <a:p>
             <a:fld id="{AAF17F01-35E4-4C4C-A9CE-5AC5628BD3BB}" type="datetimeFigureOut">
               <a:rPr lang="de-AT" smtClean="0"/>
-              <a:t>30.05.2016</a:t>
+              <a:t>04.06.2016</a:t>
             </a:fld>
             <a:endParaRPr lang="de-AT"/>
           </a:p>
@@ -2914,7 +2920,7 @@
           <a:p>
             <a:fld id="{AAF17F01-35E4-4C4C-A9CE-5AC5628BD3BB}" type="datetimeFigureOut">
               <a:rPr lang="de-AT" smtClean="0"/>
-              <a:t>30.05.2016</a:t>
+              <a:t>04.06.2016</a:t>
             </a:fld>
             <a:endParaRPr lang="de-AT"/>
           </a:p>
@@ -5573,6 +5579,1728 @@
     <p:extLst>
       <p:ext uri="{BB962C8B-B14F-4D97-AF65-F5344CB8AC3E}">
         <p14:creationId xmlns:p14="http://schemas.microsoft.com/office/powerpoint/2010/main" val="3775591489"/>
+      </p:ext>
+    </p:extLst>
+  </p:cSld>
+  <p:clrMapOvr>
+    <a:masterClrMapping/>
+  </p:clrMapOvr>
+</p:sld>
+</file>
+
+<file path=ppt/slides/slide2.xml><?xml version="1.0" encoding="utf-8"?>
+<p:sld xmlns:a="http://schemas.openxmlformats.org/drawingml/2006/main" xmlns:r="http://schemas.openxmlformats.org/officeDocument/2006/relationships" xmlns:p="http://schemas.openxmlformats.org/presentationml/2006/main">
+  <p:cSld>
+    <p:spTree>
+      <p:nvGrpSpPr>
+        <p:cNvPr id="1" name=""/>
+        <p:cNvGrpSpPr/>
+        <p:nvPr/>
+      </p:nvGrpSpPr>
+      <p:grpSpPr>
+        <a:xfrm>
+          <a:off x="0" y="0"/>
+          <a:ext cx="0" cy="0"/>
+          <a:chOff x="0" y="0"/>
+          <a:chExt cx="0" cy="0"/>
+        </a:xfrm>
+      </p:grpSpPr>
+      <p:sp>
+        <p:nvSpPr>
+          <p:cNvPr id="4" name="Oval 3"/>
+          <p:cNvSpPr/>
+          <p:nvPr/>
+        </p:nvSpPr>
+        <p:spPr>
+          <a:xfrm>
+            <a:off x="796998" y="241051"/>
+            <a:ext cx="1267221" cy="1267221"/>
+          </a:xfrm>
+          <a:prstGeom prst="ellipse">
+            <a:avLst/>
+          </a:prstGeom>
+          <a:noFill/>
+          <a:ln w="38100" cap="flat" cmpd="sng" algn="ctr">
+            <a:solidFill>
+              <a:schemeClr val="dk1"/>
+            </a:solidFill>
+            <a:prstDash val="solid"/>
+            <a:round/>
+            <a:headEnd type="none" w="med" len="med"/>
+            <a:tailEnd type="none" w="med" len="med"/>
+          </a:ln>
+        </p:spPr>
+        <p:style>
+          <a:lnRef idx="0">
+            <a:scrgbClr r="0" g="0" b="0"/>
+          </a:lnRef>
+          <a:fillRef idx="0">
+            <a:scrgbClr r="0" g="0" b="0"/>
+          </a:fillRef>
+          <a:effectRef idx="0">
+            <a:scrgbClr r="0" g="0" b="0"/>
+          </a:effectRef>
+          <a:fontRef idx="minor">
+            <a:schemeClr val="dk1"/>
+          </a:fontRef>
+        </p:style>
+        <p:txBody>
+          <a:bodyPr rot="0" spcFirstLastPara="0" vertOverflow="overflow" horzOverflow="overflow" vert="horz" wrap="square" lIns="162560" tIns="81282" rIns="162560" bIns="81282" numCol="1" spcCol="0" rtlCol="0" fromWordArt="0" anchor="ctr" anchorCtr="0" forceAA="0" compatLnSpc="1">
+            <a:prstTxWarp prst="textNoShape">
+              <a:avLst/>
+            </a:prstTxWarp>
+            <a:noAutofit/>
+          </a:bodyPr>
+          <a:lstStyle/>
+          <a:p>
+            <a:pPr algn="ctr"/>
+            <a:endParaRPr lang="de-AT" sz="3202"/>
+          </a:p>
+        </p:txBody>
+      </p:sp>
+      <p:sp>
+        <p:nvSpPr>
+          <p:cNvPr id="5" name="TextBox 4"/>
+          <p:cNvSpPr txBox="1"/>
+          <p:nvPr/>
+        </p:nvSpPr>
+        <p:spPr>
+          <a:xfrm rot="16200000">
+            <a:off x="-541100" y="654330"/>
+            <a:ext cx="1729223" cy="420564"/>
+          </a:xfrm>
+          <a:prstGeom prst="rect">
+            <a:avLst/>
+          </a:prstGeom>
+          <a:noFill/>
+        </p:spPr>
+        <p:txBody>
+          <a:bodyPr wrap="square" rtlCol="0">
+            <a:spAutoFit/>
+          </a:bodyPr>
+          <a:lstStyle/>
+          <a:p>
+            <a:pPr algn="ctr"/>
+            <a:r>
+              <a:rPr lang="en-US" sz="2133" dirty="0">
+                <a:solidFill>
+                  <a:schemeClr val="bg2">
+                    <a:lumMod val="50000"/>
+                  </a:schemeClr>
+                </a:solidFill>
+              </a:rPr>
+              <a:t>Souls</a:t>
+            </a:r>
+            <a:endParaRPr lang="de-AT" sz="2133" dirty="0">
+              <a:solidFill>
+                <a:schemeClr val="bg2">
+                  <a:lumMod val="50000"/>
+                </a:schemeClr>
+              </a:solidFill>
+            </a:endParaRPr>
+          </a:p>
+        </p:txBody>
+      </p:sp>
+      <p:sp>
+        <p:nvSpPr>
+          <p:cNvPr id="7" name="Oval 6"/>
+          <p:cNvSpPr/>
+          <p:nvPr/>
+        </p:nvSpPr>
+        <p:spPr>
+          <a:xfrm>
+            <a:off x="796998" y="2196509"/>
+            <a:ext cx="1267221" cy="1267221"/>
+          </a:xfrm>
+          <a:prstGeom prst="ellipse">
+            <a:avLst/>
+          </a:prstGeom>
+          <a:noFill/>
+          <a:ln w="38100" cap="flat" cmpd="sng" algn="ctr">
+            <a:solidFill>
+              <a:schemeClr val="dk1"/>
+            </a:solidFill>
+            <a:prstDash val="solid"/>
+            <a:round/>
+            <a:headEnd type="none" w="med" len="med"/>
+            <a:tailEnd type="none" w="med" len="med"/>
+          </a:ln>
+        </p:spPr>
+        <p:style>
+          <a:lnRef idx="0">
+            <a:scrgbClr r="0" g="0" b="0"/>
+          </a:lnRef>
+          <a:fillRef idx="0">
+            <a:scrgbClr r="0" g="0" b="0"/>
+          </a:fillRef>
+          <a:effectRef idx="0">
+            <a:scrgbClr r="0" g="0" b="0"/>
+          </a:effectRef>
+          <a:fontRef idx="minor">
+            <a:schemeClr val="dk1"/>
+          </a:fontRef>
+        </p:style>
+        <p:txBody>
+          <a:bodyPr rot="0" spcFirstLastPara="0" vertOverflow="overflow" horzOverflow="overflow" vert="horz" wrap="square" lIns="162560" tIns="81282" rIns="162560" bIns="81282" numCol="1" spcCol="0" rtlCol="0" fromWordArt="0" anchor="ctr" anchorCtr="0" forceAA="0" compatLnSpc="1">
+            <a:prstTxWarp prst="textNoShape">
+              <a:avLst/>
+            </a:prstTxWarp>
+            <a:noAutofit/>
+          </a:bodyPr>
+          <a:lstStyle/>
+          <a:p>
+            <a:pPr algn="ctr"/>
+            <a:endParaRPr lang="de-AT" sz="3202"/>
+          </a:p>
+        </p:txBody>
+      </p:sp>
+      <p:sp>
+        <p:nvSpPr>
+          <p:cNvPr id="8" name="TextBox 7"/>
+          <p:cNvSpPr txBox="1"/>
+          <p:nvPr/>
+        </p:nvSpPr>
+        <p:spPr>
+          <a:xfrm rot="16200000">
+            <a:off x="-541100" y="2609787"/>
+            <a:ext cx="1729223" cy="420564"/>
+          </a:xfrm>
+          <a:prstGeom prst="rect">
+            <a:avLst/>
+          </a:prstGeom>
+          <a:noFill/>
+        </p:spPr>
+        <p:txBody>
+          <a:bodyPr wrap="square" rtlCol="0">
+            <a:spAutoFit/>
+          </a:bodyPr>
+          <a:lstStyle/>
+          <a:p>
+            <a:pPr algn="ctr"/>
+            <a:r>
+              <a:rPr lang="en-US" sz="2133" dirty="0" err="1">
+                <a:solidFill>
+                  <a:schemeClr val="bg2">
+                    <a:lumMod val="50000"/>
+                  </a:schemeClr>
+                </a:solidFill>
+              </a:rPr>
+              <a:t>Humanform</a:t>
+            </a:r>
+            <a:endParaRPr lang="de-AT" sz="2133" dirty="0">
+              <a:solidFill>
+                <a:schemeClr val="bg2">
+                  <a:lumMod val="50000"/>
+                </a:schemeClr>
+              </a:solidFill>
+            </a:endParaRPr>
+          </a:p>
+        </p:txBody>
+      </p:sp>
+      <p:sp>
+        <p:nvSpPr>
+          <p:cNvPr id="9" name="Oval 8"/>
+          <p:cNvSpPr/>
+          <p:nvPr/>
+        </p:nvSpPr>
+        <p:spPr>
+          <a:xfrm>
+            <a:off x="796998" y="3910918"/>
+            <a:ext cx="1267221" cy="1267221"/>
+          </a:xfrm>
+          <a:prstGeom prst="ellipse">
+            <a:avLst/>
+          </a:prstGeom>
+          <a:noFill/>
+          <a:ln w="38100" cap="flat" cmpd="sng" algn="ctr">
+            <a:solidFill>
+              <a:schemeClr val="dk1"/>
+            </a:solidFill>
+            <a:prstDash val="solid"/>
+            <a:round/>
+            <a:headEnd type="none" w="med" len="med"/>
+            <a:tailEnd type="none" w="med" len="med"/>
+          </a:ln>
+        </p:spPr>
+        <p:style>
+          <a:lnRef idx="0">
+            <a:scrgbClr r="0" g="0" b="0"/>
+          </a:lnRef>
+          <a:fillRef idx="0">
+            <a:scrgbClr r="0" g="0" b="0"/>
+          </a:fillRef>
+          <a:effectRef idx="0">
+            <a:scrgbClr r="0" g="0" b="0"/>
+          </a:effectRef>
+          <a:fontRef idx="minor">
+            <a:schemeClr val="dk1"/>
+          </a:fontRef>
+        </p:style>
+        <p:txBody>
+          <a:bodyPr rot="0" spcFirstLastPara="0" vertOverflow="overflow" horzOverflow="overflow" vert="horz" wrap="square" lIns="162560" tIns="81282" rIns="162560" bIns="81282" numCol="1" spcCol="0" rtlCol="0" fromWordArt="0" anchor="ctr" anchorCtr="0" forceAA="0" compatLnSpc="1">
+            <a:prstTxWarp prst="textNoShape">
+              <a:avLst/>
+            </a:prstTxWarp>
+            <a:noAutofit/>
+          </a:bodyPr>
+          <a:lstStyle/>
+          <a:p>
+            <a:pPr algn="ctr"/>
+            <a:endParaRPr lang="de-AT" sz="3202"/>
+          </a:p>
+        </p:txBody>
+      </p:sp>
+      <p:sp>
+        <p:nvSpPr>
+          <p:cNvPr id="10" name="TextBox 9"/>
+          <p:cNvSpPr txBox="1"/>
+          <p:nvPr/>
+        </p:nvSpPr>
+        <p:spPr>
+          <a:xfrm rot="16200000">
+            <a:off x="-541100" y="4324199"/>
+            <a:ext cx="1729223" cy="420564"/>
+          </a:xfrm>
+          <a:prstGeom prst="rect">
+            <a:avLst/>
+          </a:prstGeom>
+          <a:noFill/>
+        </p:spPr>
+        <p:txBody>
+          <a:bodyPr wrap="square" rtlCol="0">
+            <a:spAutoFit/>
+          </a:bodyPr>
+          <a:lstStyle/>
+          <a:p>
+            <a:pPr algn="ctr"/>
+            <a:r>
+              <a:rPr lang="en-US" sz="2133" dirty="0" err="1">
+                <a:solidFill>
+                  <a:schemeClr val="bg2">
+                    <a:lumMod val="50000"/>
+                  </a:schemeClr>
+                </a:solidFill>
+              </a:rPr>
+              <a:t>Daemonform</a:t>
+            </a:r>
+            <a:endParaRPr lang="de-AT" sz="2133" dirty="0">
+              <a:solidFill>
+                <a:schemeClr val="bg2">
+                  <a:lumMod val="50000"/>
+                </a:schemeClr>
+              </a:solidFill>
+            </a:endParaRPr>
+          </a:p>
+        </p:txBody>
+      </p:sp>
+      <p:sp>
+        <p:nvSpPr>
+          <p:cNvPr id="14" name="Oval 13"/>
+          <p:cNvSpPr/>
+          <p:nvPr/>
+        </p:nvSpPr>
+        <p:spPr>
+          <a:xfrm>
+            <a:off x="796998" y="5645706"/>
+            <a:ext cx="1267221" cy="1267221"/>
+          </a:xfrm>
+          <a:prstGeom prst="ellipse">
+            <a:avLst/>
+          </a:prstGeom>
+          <a:noFill/>
+          <a:ln w="38100" cap="flat" cmpd="sng" algn="ctr">
+            <a:solidFill>
+              <a:schemeClr val="dk1"/>
+            </a:solidFill>
+            <a:prstDash val="solid"/>
+            <a:round/>
+            <a:headEnd type="none" w="med" len="med"/>
+            <a:tailEnd type="none" w="med" len="med"/>
+          </a:ln>
+        </p:spPr>
+        <p:style>
+          <a:lnRef idx="0">
+            <a:scrgbClr r="0" g="0" b="0"/>
+          </a:lnRef>
+          <a:fillRef idx="0">
+            <a:scrgbClr r="0" g="0" b="0"/>
+          </a:fillRef>
+          <a:effectRef idx="0">
+            <a:scrgbClr r="0" g="0" b="0"/>
+          </a:effectRef>
+          <a:fontRef idx="minor">
+            <a:schemeClr val="dk1"/>
+          </a:fontRef>
+        </p:style>
+        <p:txBody>
+          <a:bodyPr rot="0" spcFirstLastPara="0" vertOverflow="overflow" horzOverflow="overflow" vert="horz" wrap="square" lIns="162560" tIns="81282" rIns="162560" bIns="81282" numCol="1" spcCol="0" rtlCol="0" fromWordArt="0" anchor="ctr" anchorCtr="0" forceAA="0" compatLnSpc="1">
+            <a:prstTxWarp prst="textNoShape">
+              <a:avLst/>
+            </a:prstTxWarp>
+            <a:noAutofit/>
+          </a:bodyPr>
+          <a:lstStyle/>
+          <a:p>
+            <a:pPr algn="ctr"/>
+            <a:endParaRPr lang="de-AT" sz="3202"/>
+          </a:p>
+        </p:txBody>
+      </p:sp>
+      <p:sp>
+        <p:nvSpPr>
+          <p:cNvPr id="15" name="TextBox 14"/>
+          <p:cNvSpPr txBox="1"/>
+          <p:nvPr/>
+        </p:nvSpPr>
+        <p:spPr>
+          <a:xfrm rot="16200000">
+            <a:off x="-541100" y="6058987"/>
+            <a:ext cx="1729223" cy="420564"/>
+          </a:xfrm>
+          <a:prstGeom prst="rect">
+            <a:avLst/>
+          </a:prstGeom>
+          <a:noFill/>
+        </p:spPr>
+        <p:txBody>
+          <a:bodyPr wrap="square" rtlCol="0">
+            <a:spAutoFit/>
+          </a:bodyPr>
+          <a:lstStyle/>
+          <a:p>
+            <a:pPr algn="ctr"/>
+            <a:r>
+              <a:rPr lang="en-US" sz="2133" dirty="0">
+                <a:solidFill>
+                  <a:schemeClr val="bg2">
+                    <a:lumMod val="50000"/>
+                  </a:schemeClr>
+                </a:solidFill>
+              </a:rPr>
+              <a:t>Mirror Image</a:t>
+            </a:r>
+            <a:endParaRPr lang="de-AT" sz="2133" dirty="0">
+              <a:solidFill>
+                <a:schemeClr val="bg2">
+                  <a:lumMod val="50000"/>
+                </a:schemeClr>
+              </a:solidFill>
+            </a:endParaRPr>
+          </a:p>
+        </p:txBody>
+      </p:sp>
+      <p:sp>
+        <p:nvSpPr>
+          <p:cNvPr id="16" name="Oval 15"/>
+          <p:cNvSpPr/>
+          <p:nvPr/>
+        </p:nvSpPr>
+        <p:spPr>
+          <a:xfrm>
+            <a:off x="796998" y="7370572"/>
+            <a:ext cx="1267221" cy="1267221"/>
+          </a:xfrm>
+          <a:prstGeom prst="ellipse">
+            <a:avLst/>
+          </a:prstGeom>
+          <a:noFill/>
+          <a:ln w="38100" cap="flat" cmpd="sng" algn="ctr">
+            <a:solidFill>
+              <a:schemeClr val="dk1"/>
+            </a:solidFill>
+            <a:prstDash val="solid"/>
+            <a:round/>
+            <a:headEnd type="none" w="med" len="med"/>
+            <a:tailEnd type="none" w="med" len="med"/>
+          </a:ln>
+        </p:spPr>
+        <p:style>
+          <a:lnRef idx="0">
+            <a:scrgbClr r="0" g="0" b="0"/>
+          </a:lnRef>
+          <a:fillRef idx="0">
+            <a:scrgbClr r="0" g="0" b="0"/>
+          </a:fillRef>
+          <a:effectRef idx="0">
+            <a:scrgbClr r="0" g="0" b="0"/>
+          </a:effectRef>
+          <a:fontRef idx="minor">
+            <a:schemeClr val="dk1"/>
+          </a:fontRef>
+        </p:style>
+        <p:txBody>
+          <a:bodyPr rot="0" spcFirstLastPara="0" vertOverflow="overflow" horzOverflow="overflow" vert="horz" wrap="square" lIns="162560" tIns="81282" rIns="162560" bIns="81282" numCol="1" spcCol="0" rtlCol="0" fromWordArt="0" anchor="ctr" anchorCtr="0" forceAA="0" compatLnSpc="1">
+            <a:prstTxWarp prst="textNoShape">
+              <a:avLst/>
+            </a:prstTxWarp>
+            <a:noAutofit/>
+          </a:bodyPr>
+          <a:lstStyle/>
+          <a:p>
+            <a:pPr algn="ctr"/>
+            <a:endParaRPr lang="de-AT" sz="3202"/>
+          </a:p>
+        </p:txBody>
+      </p:sp>
+      <p:sp>
+        <p:nvSpPr>
+          <p:cNvPr id="17" name="TextBox 16"/>
+          <p:cNvSpPr txBox="1"/>
+          <p:nvPr/>
+        </p:nvSpPr>
+        <p:spPr>
+          <a:xfrm rot="16200000">
+            <a:off x="-541100" y="7783853"/>
+            <a:ext cx="1729223" cy="420564"/>
+          </a:xfrm>
+          <a:prstGeom prst="rect">
+            <a:avLst/>
+          </a:prstGeom>
+          <a:noFill/>
+        </p:spPr>
+        <p:txBody>
+          <a:bodyPr wrap="square" rtlCol="0">
+            <a:spAutoFit/>
+          </a:bodyPr>
+          <a:lstStyle/>
+          <a:p>
+            <a:pPr algn="ctr"/>
+            <a:r>
+              <a:rPr lang="en-US" sz="2133" dirty="0">
+                <a:solidFill>
+                  <a:schemeClr val="bg2">
+                    <a:lumMod val="50000"/>
+                  </a:schemeClr>
+                </a:solidFill>
+              </a:rPr>
+              <a:t>Invisible</a:t>
+            </a:r>
+            <a:endParaRPr lang="de-AT" sz="2133" dirty="0">
+              <a:solidFill>
+                <a:schemeClr val="bg2">
+                  <a:lumMod val="50000"/>
+                </a:schemeClr>
+              </a:solidFill>
+            </a:endParaRPr>
+          </a:p>
+        </p:txBody>
+      </p:sp>
+      <p:sp>
+        <p:nvSpPr>
+          <p:cNvPr id="18" name="Oval 17"/>
+          <p:cNvSpPr/>
+          <p:nvPr/>
+        </p:nvSpPr>
+        <p:spPr>
+          <a:xfrm>
+            <a:off x="796998" y="9158528"/>
+            <a:ext cx="1267221" cy="1267221"/>
+          </a:xfrm>
+          <a:prstGeom prst="ellipse">
+            <a:avLst/>
+          </a:prstGeom>
+          <a:noFill/>
+          <a:ln w="38100" cap="flat" cmpd="sng" algn="ctr">
+            <a:solidFill>
+              <a:schemeClr val="dk1"/>
+            </a:solidFill>
+            <a:prstDash val="solid"/>
+            <a:round/>
+            <a:headEnd type="none" w="med" len="med"/>
+            <a:tailEnd type="none" w="med" len="med"/>
+          </a:ln>
+        </p:spPr>
+        <p:style>
+          <a:lnRef idx="0">
+            <a:scrgbClr r="0" g="0" b="0"/>
+          </a:lnRef>
+          <a:fillRef idx="0">
+            <a:scrgbClr r="0" g="0" b="0"/>
+          </a:fillRef>
+          <a:effectRef idx="0">
+            <a:scrgbClr r="0" g="0" b="0"/>
+          </a:effectRef>
+          <a:fontRef idx="minor">
+            <a:schemeClr val="dk1"/>
+          </a:fontRef>
+        </p:style>
+        <p:txBody>
+          <a:bodyPr rot="0" spcFirstLastPara="0" vertOverflow="overflow" horzOverflow="overflow" vert="horz" wrap="square" lIns="162560" tIns="81282" rIns="162560" bIns="81282" numCol="1" spcCol="0" rtlCol="0" fromWordArt="0" anchor="ctr" anchorCtr="0" forceAA="0" compatLnSpc="1">
+            <a:prstTxWarp prst="textNoShape">
+              <a:avLst/>
+            </a:prstTxWarp>
+            <a:noAutofit/>
+          </a:bodyPr>
+          <a:lstStyle/>
+          <a:p>
+            <a:pPr algn="ctr"/>
+            <a:endParaRPr lang="de-AT" sz="3202"/>
+          </a:p>
+        </p:txBody>
+      </p:sp>
+      <p:sp>
+        <p:nvSpPr>
+          <p:cNvPr id="19" name="TextBox 18"/>
+          <p:cNvSpPr txBox="1"/>
+          <p:nvPr/>
+        </p:nvSpPr>
+        <p:spPr>
+          <a:xfrm rot="16200000">
+            <a:off x="-541100" y="9571809"/>
+            <a:ext cx="1729223" cy="420564"/>
+          </a:xfrm>
+          <a:prstGeom prst="rect">
+            <a:avLst/>
+          </a:prstGeom>
+          <a:noFill/>
+        </p:spPr>
+        <p:txBody>
+          <a:bodyPr wrap="square" rtlCol="0">
+            <a:spAutoFit/>
+          </a:bodyPr>
+          <a:lstStyle/>
+          <a:p>
+            <a:pPr algn="ctr"/>
+            <a:r>
+              <a:rPr lang="en-US" sz="2133" dirty="0">
+                <a:solidFill>
+                  <a:schemeClr val="bg2">
+                    <a:lumMod val="50000"/>
+                  </a:schemeClr>
+                </a:solidFill>
+              </a:rPr>
+              <a:t>Burning</a:t>
+            </a:r>
+            <a:endParaRPr lang="de-AT" sz="2133" dirty="0">
+              <a:solidFill>
+                <a:schemeClr val="bg2">
+                  <a:lumMod val="50000"/>
+                </a:schemeClr>
+              </a:solidFill>
+            </a:endParaRPr>
+          </a:p>
+        </p:txBody>
+      </p:sp>
+      <p:pic>
+        <p:nvPicPr>
+          <p:cNvPr id="2" name="Picture 1"/>
+          <p:cNvPicPr>
+            <a:picLocks noChangeAspect="1"/>
+          </p:cNvPicPr>
+          <p:nvPr/>
+        </p:nvPicPr>
+        <p:blipFill>
+          <a:blip r:embed="rId2">
+            <a:extLst>
+              <a:ext uri="{28A0092B-C50C-407E-A947-70E740481C1C}">
+                <a14:useLocalDpi xmlns:a14="http://schemas.microsoft.com/office/drawing/2010/main" val="0"/>
+              </a:ext>
+            </a:extLst>
+          </a:blip>
+          <a:stretch>
+            <a:fillRect/>
+          </a:stretch>
+        </p:blipFill>
+        <p:spPr>
+          <a:xfrm>
+            <a:off x="940295" y="4209573"/>
+            <a:ext cx="1015085" cy="700408"/>
+          </a:xfrm>
+          <a:prstGeom prst="rect">
+            <a:avLst/>
+          </a:prstGeom>
+        </p:spPr>
+      </p:pic>
+      <p:pic>
+        <p:nvPicPr>
+          <p:cNvPr id="3" name="Picture 2"/>
+          <p:cNvPicPr>
+            <a:picLocks noChangeAspect="1"/>
+          </p:cNvPicPr>
+          <p:nvPr/>
+        </p:nvPicPr>
+        <p:blipFill>
+          <a:blip r:embed="rId3">
+            <a:extLst>
+              <a:ext uri="{28A0092B-C50C-407E-A947-70E740481C1C}">
+                <a14:useLocalDpi xmlns:a14="http://schemas.microsoft.com/office/drawing/2010/main" val="0"/>
+              </a:ext>
+            </a:extLst>
+          </a:blip>
+          <a:stretch>
+            <a:fillRect/>
+          </a:stretch>
+        </p:blipFill>
+        <p:spPr>
+          <a:xfrm>
+            <a:off x="1051400" y="2449046"/>
+            <a:ext cx="785145" cy="785145"/>
+          </a:xfrm>
+          <a:prstGeom prst="rect">
+            <a:avLst/>
+          </a:prstGeom>
+        </p:spPr>
+      </p:pic>
+      <p:pic>
+        <p:nvPicPr>
+          <p:cNvPr id="22" name="Picture 21"/>
+          <p:cNvPicPr>
+            <a:picLocks noChangeAspect="1"/>
+          </p:cNvPicPr>
+          <p:nvPr/>
+        </p:nvPicPr>
+        <p:blipFill>
+          <a:blip r:embed="rId4">
+            <a:extLst>
+              <a:ext uri="{28A0092B-C50C-407E-A947-70E740481C1C}">
+                <a14:useLocalDpi xmlns:a14="http://schemas.microsoft.com/office/drawing/2010/main" val="0"/>
+              </a:ext>
+            </a:extLst>
+          </a:blip>
+          <a:stretch>
+            <a:fillRect/>
+          </a:stretch>
+        </p:blipFill>
+        <p:spPr>
+          <a:xfrm>
+            <a:off x="1028169" y="5888947"/>
+            <a:ext cx="851918" cy="851918"/>
+          </a:xfrm>
+          <a:prstGeom prst="rect">
+            <a:avLst/>
+          </a:prstGeom>
+        </p:spPr>
+      </p:pic>
+      <p:pic>
+        <p:nvPicPr>
+          <p:cNvPr id="23" name="Picture 22"/>
+          <p:cNvPicPr>
+            <a:picLocks noChangeAspect="1"/>
+          </p:cNvPicPr>
+          <p:nvPr/>
+        </p:nvPicPr>
+        <p:blipFill>
+          <a:blip r:embed="rId5">
+            <a:extLst>
+              <a:ext uri="{28A0092B-C50C-407E-A947-70E740481C1C}">
+                <a14:useLocalDpi xmlns:a14="http://schemas.microsoft.com/office/drawing/2010/main" val="0"/>
+              </a:ext>
+            </a:extLst>
+          </a:blip>
+          <a:stretch>
+            <a:fillRect/>
+          </a:stretch>
+        </p:blipFill>
+        <p:spPr>
+          <a:xfrm>
+            <a:off x="858210" y="398237"/>
+            <a:ext cx="1115767" cy="981875"/>
+          </a:xfrm>
+          <a:prstGeom prst="rect">
+            <a:avLst/>
+          </a:prstGeom>
+        </p:spPr>
+      </p:pic>
+      <p:sp>
+        <p:nvSpPr>
+          <p:cNvPr id="60" name="Oval 59"/>
+          <p:cNvSpPr/>
+          <p:nvPr/>
+        </p:nvSpPr>
+        <p:spPr>
+          <a:xfrm>
+            <a:off x="2255683" y="241051"/>
+            <a:ext cx="1267221" cy="1267221"/>
+          </a:xfrm>
+          <a:prstGeom prst="ellipse">
+            <a:avLst/>
+          </a:prstGeom>
+          <a:noFill/>
+          <a:ln w="38100" cap="flat" cmpd="sng" algn="ctr">
+            <a:solidFill>
+              <a:schemeClr val="dk1"/>
+            </a:solidFill>
+            <a:prstDash val="solid"/>
+            <a:round/>
+            <a:headEnd type="none" w="med" len="med"/>
+            <a:tailEnd type="none" w="med" len="med"/>
+          </a:ln>
+        </p:spPr>
+        <p:style>
+          <a:lnRef idx="0">
+            <a:scrgbClr r="0" g="0" b="0"/>
+          </a:lnRef>
+          <a:fillRef idx="0">
+            <a:scrgbClr r="0" g="0" b="0"/>
+          </a:fillRef>
+          <a:effectRef idx="0">
+            <a:scrgbClr r="0" g="0" b="0"/>
+          </a:effectRef>
+          <a:fontRef idx="minor">
+            <a:schemeClr val="dk1"/>
+          </a:fontRef>
+        </p:style>
+        <p:txBody>
+          <a:bodyPr rot="0" spcFirstLastPara="0" vertOverflow="overflow" horzOverflow="overflow" vert="horz" wrap="square" lIns="162560" tIns="81282" rIns="162560" bIns="81282" numCol="1" spcCol="0" rtlCol="0" fromWordArt="0" anchor="ctr" anchorCtr="0" forceAA="0" compatLnSpc="1">
+            <a:prstTxWarp prst="textNoShape">
+              <a:avLst/>
+            </a:prstTxWarp>
+            <a:noAutofit/>
+          </a:bodyPr>
+          <a:lstStyle/>
+          <a:p>
+            <a:pPr algn="ctr"/>
+            <a:endParaRPr lang="de-AT" sz="3202"/>
+          </a:p>
+        </p:txBody>
+      </p:sp>
+      <p:sp>
+        <p:nvSpPr>
+          <p:cNvPr id="61" name="Oval 60"/>
+          <p:cNvSpPr/>
+          <p:nvPr/>
+        </p:nvSpPr>
+        <p:spPr>
+          <a:xfrm>
+            <a:off x="2255683" y="2196509"/>
+            <a:ext cx="1267221" cy="1267221"/>
+          </a:xfrm>
+          <a:prstGeom prst="ellipse">
+            <a:avLst/>
+          </a:prstGeom>
+          <a:noFill/>
+          <a:ln w="38100" cap="flat" cmpd="sng" algn="ctr">
+            <a:solidFill>
+              <a:schemeClr val="dk1"/>
+            </a:solidFill>
+            <a:prstDash val="solid"/>
+            <a:round/>
+            <a:headEnd type="none" w="med" len="med"/>
+            <a:tailEnd type="none" w="med" len="med"/>
+          </a:ln>
+        </p:spPr>
+        <p:style>
+          <a:lnRef idx="0">
+            <a:scrgbClr r="0" g="0" b="0"/>
+          </a:lnRef>
+          <a:fillRef idx="0">
+            <a:scrgbClr r="0" g="0" b="0"/>
+          </a:fillRef>
+          <a:effectRef idx="0">
+            <a:scrgbClr r="0" g="0" b="0"/>
+          </a:effectRef>
+          <a:fontRef idx="minor">
+            <a:schemeClr val="dk1"/>
+          </a:fontRef>
+        </p:style>
+        <p:txBody>
+          <a:bodyPr rot="0" spcFirstLastPara="0" vertOverflow="overflow" horzOverflow="overflow" vert="horz" wrap="square" lIns="162560" tIns="81282" rIns="162560" bIns="81282" numCol="1" spcCol="0" rtlCol="0" fromWordArt="0" anchor="ctr" anchorCtr="0" forceAA="0" compatLnSpc="1">
+            <a:prstTxWarp prst="textNoShape">
+              <a:avLst/>
+            </a:prstTxWarp>
+            <a:noAutofit/>
+          </a:bodyPr>
+          <a:lstStyle/>
+          <a:p>
+            <a:pPr algn="ctr"/>
+            <a:endParaRPr lang="de-AT" sz="3202"/>
+          </a:p>
+        </p:txBody>
+      </p:sp>
+      <p:sp>
+        <p:nvSpPr>
+          <p:cNvPr id="62" name="Oval 61"/>
+          <p:cNvSpPr/>
+          <p:nvPr/>
+        </p:nvSpPr>
+        <p:spPr>
+          <a:xfrm>
+            <a:off x="2255683" y="3910918"/>
+            <a:ext cx="1267221" cy="1267221"/>
+          </a:xfrm>
+          <a:prstGeom prst="ellipse">
+            <a:avLst/>
+          </a:prstGeom>
+          <a:noFill/>
+          <a:ln w="38100" cap="flat" cmpd="sng" algn="ctr">
+            <a:solidFill>
+              <a:schemeClr val="dk1"/>
+            </a:solidFill>
+            <a:prstDash val="solid"/>
+            <a:round/>
+            <a:headEnd type="none" w="med" len="med"/>
+            <a:tailEnd type="none" w="med" len="med"/>
+          </a:ln>
+        </p:spPr>
+        <p:style>
+          <a:lnRef idx="0">
+            <a:scrgbClr r="0" g="0" b="0"/>
+          </a:lnRef>
+          <a:fillRef idx="0">
+            <a:scrgbClr r="0" g="0" b="0"/>
+          </a:fillRef>
+          <a:effectRef idx="0">
+            <a:scrgbClr r="0" g="0" b="0"/>
+          </a:effectRef>
+          <a:fontRef idx="minor">
+            <a:schemeClr val="dk1"/>
+          </a:fontRef>
+        </p:style>
+        <p:txBody>
+          <a:bodyPr rot="0" spcFirstLastPara="0" vertOverflow="overflow" horzOverflow="overflow" vert="horz" wrap="square" lIns="162560" tIns="81282" rIns="162560" bIns="81282" numCol="1" spcCol="0" rtlCol="0" fromWordArt="0" anchor="ctr" anchorCtr="0" forceAA="0" compatLnSpc="1">
+            <a:prstTxWarp prst="textNoShape">
+              <a:avLst/>
+            </a:prstTxWarp>
+            <a:noAutofit/>
+          </a:bodyPr>
+          <a:lstStyle/>
+          <a:p>
+            <a:pPr algn="ctr"/>
+            <a:endParaRPr lang="de-AT" sz="3202"/>
+          </a:p>
+        </p:txBody>
+      </p:sp>
+      <p:sp>
+        <p:nvSpPr>
+          <p:cNvPr id="63" name="Oval 62"/>
+          <p:cNvSpPr/>
+          <p:nvPr/>
+        </p:nvSpPr>
+        <p:spPr>
+          <a:xfrm>
+            <a:off x="2255683" y="5645706"/>
+            <a:ext cx="1267221" cy="1267221"/>
+          </a:xfrm>
+          <a:prstGeom prst="ellipse">
+            <a:avLst/>
+          </a:prstGeom>
+          <a:noFill/>
+          <a:ln w="38100" cap="flat" cmpd="sng" algn="ctr">
+            <a:solidFill>
+              <a:schemeClr val="dk1"/>
+            </a:solidFill>
+            <a:prstDash val="solid"/>
+            <a:round/>
+            <a:headEnd type="none" w="med" len="med"/>
+            <a:tailEnd type="none" w="med" len="med"/>
+          </a:ln>
+        </p:spPr>
+        <p:style>
+          <a:lnRef idx="0">
+            <a:scrgbClr r="0" g="0" b="0"/>
+          </a:lnRef>
+          <a:fillRef idx="0">
+            <a:scrgbClr r="0" g="0" b="0"/>
+          </a:fillRef>
+          <a:effectRef idx="0">
+            <a:scrgbClr r="0" g="0" b="0"/>
+          </a:effectRef>
+          <a:fontRef idx="minor">
+            <a:schemeClr val="dk1"/>
+          </a:fontRef>
+        </p:style>
+        <p:txBody>
+          <a:bodyPr rot="0" spcFirstLastPara="0" vertOverflow="overflow" horzOverflow="overflow" vert="horz" wrap="square" lIns="162560" tIns="81282" rIns="162560" bIns="81282" numCol="1" spcCol="0" rtlCol="0" fromWordArt="0" anchor="ctr" anchorCtr="0" forceAA="0" compatLnSpc="1">
+            <a:prstTxWarp prst="textNoShape">
+              <a:avLst/>
+            </a:prstTxWarp>
+            <a:noAutofit/>
+          </a:bodyPr>
+          <a:lstStyle/>
+          <a:p>
+            <a:pPr algn="ctr"/>
+            <a:endParaRPr lang="de-AT" sz="3202"/>
+          </a:p>
+        </p:txBody>
+      </p:sp>
+      <p:pic>
+        <p:nvPicPr>
+          <p:cNvPr id="64" name="Picture 63"/>
+          <p:cNvPicPr>
+            <a:picLocks noChangeAspect="1"/>
+          </p:cNvPicPr>
+          <p:nvPr/>
+        </p:nvPicPr>
+        <p:blipFill>
+          <a:blip r:embed="rId2">
+            <a:extLst>
+              <a:ext uri="{28A0092B-C50C-407E-A947-70E740481C1C}">
+                <a14:useLocalDpi xmlns:a14="http://schemas.microsoft.com/office/drawing/2010/main" val="0"/>
+              </a:ext>
+            </a:extLst>
+          </a:blip>
+          <a:stretch>
+            <a:fillRect/>
+          </a:stretch>
+        </p:blipFill>
+        <p:spPr>
+          <a:xfrm>
+            <a:off x="2398980" y="4209573"/>
+            <a:ext cx="1015085" cy="700408"/>
+          </a:xfrm>
+          <a:prstGeom prst="rect">
+            <a:avLst/>
+          </a:prstGeom>
+        </p:spPr>
+      </p:pic>
+      <p:pic>
+        <p:nvPicPr>
+          <p:cNvPr id="65" name="Picture 64"/>
+          <p:cNvPicPr>
+            <a:picLocks noChangeAspect="1"/>
+          </p:cNvPicPr>
+          <p:nvPr/>
+        </p:nvPicPr>
+        <p:blipFill>
+          <a:blip r:embed="rId3">
+            <a:extLst>
+              <a:ext uri="{28A0092B-C50C-407E-A947-70E740481C1C}">
+                <a14:useLocalDpi xmlns:a14="http://schemas.microsoft.com/office/drawing/2010/main" val="0"/>
+              </a:ext>
+            </a:extLst>
+          </a:blip>
+          <a:stretch>
+            <a:fillRect/>
+          </a:stretch>
+        </p:blipFill>
+        <p:spPr>
+          <a:xfrm>
+            <a:off x="2510085" y="2449046"/>
+            <a:ext cx="785145" cy="785145"/>
+          </a:xfrm>
+          <a:prstGeom prst="rect">
+            <a:avLst/>
+          </a:prstGeom>
+        </p:spPr>
+      </p:pic>
+      <p:pic>
+        <p:nvPicPr>
+          <p:cNvPr id="66" name="Picture 65"/>
+          <p:cNvPicPr>
+            <a:picLocks noChangeAspect="1"/>
+          </p:cNvPicPr>
+          <p:nvPr/>
+        </p:nvPicPr>
+        <p:blipFill>
+          <a:blip r:embed="rId4">
+            <a:extLst>
+              <a:ext uri="{28A0092B-C50C-407E-A947-70E740481C1C}">
+                <a14:useLocalDpi xmlns:a14="http://schemas.microsoft.com/office/drawing/2010/main" val="0"/>
+              </a:ext>
+            </a:extLst>
+          </a:blip>
+          <a:stretch>
+            <a:fillRect/>
+          </a:stretch>
+        </p:blipFill>
+        <p:spPr>
+          <a:xfrm>
+            <a:off x="2486854" y="5888947"/>
+            <a:ext cx="851918" cy="851918"/>
+          </a:xfrm>
+          <a:prstGeom prst="rect">
+            <a:avLst/>
+          </a:prstGeom>
+        </p:spPr>
+      </p:pic>
+      <p:pic>
+        <p:nvPicPr>
+          <p:cNvPr id="67" name="Picture 66"/>
+          <p:cNvPicPr>
+            <a:picLocks noChangeAspect="1"/>
+          </p:cNvPicPr>
+          <p:nvPr/>
+        </p:nvPicPr>
+        <p:blipFill>
+          <a:blip r:embed="rId5">
+            <a:extLst>
+              <a:ext uri="{28A0092B-C50C-407E-A947-70E740481C1C}">
+                <a14:useLocalDpi xmlns:a14="http://schemas.microsoft.com/office/drawing/2010/main" val="0"/>
+              </a:ext>
+            </a:extLst>
+          </a:blip>
+          <a:stretch>
+            <a:fillRect/>
+          </a:stretch>
+        </p:blipFill>
+        <p:spPr>
+          <a:xfrm>
+            <a:off x="2316895" y="398237"/>
+            <a:ext cx="1115767" cy="981875"/>
+          </a:xfrm>
+          <a:prstGeom prst="rect">
+            <a:avLst/>
+          </a:prstGeom>
+        </p:spPr>
+      </p:pic>
+      <p:sp>
+        <p:nvSpPr>
+          <p:cNvPr id="76" name="Oval 75"/>
+          <p:cNvSpPr/>
+          <p:nvPr/>
+        </p:nvSpPr>
+        <p:spPr>
+          <a:xfrm>
+            <a:off x="3745121" y="241051"/>
+            <a:ext cx="1267221" cy="1267221"/>
+          </a:xfrm>
+          <a:prstGeom prst="ellipse">
+            <a:avLst/>
+          </a:prstGeom>
+          <a:noFill/>
+          <a:ln w="38100" cap="flat" cmpd="sng" algn="ctr">
+            <a:solidFill>
+              <a:schemeClr val="dk1"/>
+            </a:solidFill>
+            <a:prstDash val="solid"/>
+            <a:round/>
+            <a:headEnd type="none" w="med" len="med"/>
+            <a:tailEnd type="none" w="med" len="med"/>
+          </a:ln>
+        </p:spPr>
+        <p:style>
+          <a:lnRef idx="0">
+            <a:scrgbClr r="0" g="0" b="0"/>
+          </a:lnRef>
+          <a:fillRef idx="0">
+            <a:scrgbClr r="0" g="0" b="0"/>
+          </a:fillRef>
+          <a:effectRef idx="0">
+            <a:scrgbClr r="0" g="0" b="0"/>
+          </a:effectRef>
+          <a:fontRef idx="minor">
+            <a:schemeClr val="dk1"/>
+          </a:fontRef>
+        </p:style>
+        <p:txBody>
+          <a:bodyPr rot="0" spcFirstLastPara="0" vertOverflow="overflow" horzOverflow="overflow" vert="horz" wrap="square" lIns="162560" tIns="81282" rIns="162560" bIns="81282" numCol="1" spcCol="0" rtlCol="0" fromWordArt="0" anchor="ctr" anchorCtr="0" forceAA="0" compatLnSpc="1">
+            <a:prstTxWarp prst="textNoShape">
+              <a:avLst/>
+            </a:prstTxWarp>
+            <a:noAutofit/>
+          </a:bodyPr>
+          <a:lstStyle/>
+          <a:p>
+            <a:pPr algn="ctr"/>
+            <a:endParaRPr lang="de-AT" sz="3202"/>
+          </a:p>
+        </p:txBody>
+      </p:sp>
+      <p:sp>
+        <p:nvSpPr>
+          <p:cNvPr id="77" name="Oval 76"/>
+          <p:cNvSpPr/>
+          <p:nvPr/>
+        </p:nvSpPr>
+        <p:spPr>
+          <a:xfrm>
+            <a:off x="3745121" y="2196509"/>
+            <a:ext cx="1267221" cy="1267221"/>
+          </a:xfrm>
+          <a:prstGeom prst="ellipse">
+            <a:avLst/>
+          </a:prstGeom>
+          <a:noFill/>
+          <a:ln w="38100" cap="flat" cmpd="sng" algn="ctr">
+            <a:solidFill>
+              <a:schemeClr val="dk1"/>
+            </a:solidFill>
+            <a:prstDash val="solid"/>
+            <a:round/>
+            <a:headEnd type="none" w="med" len="med"/>
+            <a:tailEnd type="none" w="med" len="med"/>
+          </a:ln>
+        </p:spPr>
+        <p:style>
+          <a:lnRef idx="0">
+            <a:scrgbClr r="0" g="0" b="0"/>
+          </a:lnRef>
+          <a:fillRef idx="0">
+            <a:scrgbClr r="0" g="0" b="0"/>
+          </a:fillRef>
+          <a:effectRef idx="0">
+            <a:scrgbClr r="0" g="0" b="0"/>
+          </a:effectRef>
+          <a:fontRef idx="minor">
+            <a:schemeClr val="dk1"/>
+          </a:fontRef>
+        </p:style>
+        <p:txBody>
+          <a:bodyPr rot="0" spcFirstLastPara="0" vertOverflow="overflow" horzOverflow="overflow" vert="horz" wrap="square" lIns="162560" tIns="81282" rIns="162560" bIns="81282" numCol="1" spcCol="0" rtlCol="0" fromWordArt="0" anchor="ctr" anchorCtr="0" forceAA="0" compatLnSpc="1">
+            <a:prstTxWarp prst="textNoShape">
+              <a:avLst/>
+            </a:prstTxWarp>
+            <a:noAutofit/>
+          </a:bodyPr>
+          <a:lstStyle/>
+          <a:p>
+            <a:pPr algn="ctr"/>
+            <a:endParaRPr lang="de-AT" sz="3202"/>
+          </a:p>
+        </p:txBody>
+      </p:sp>
+      <p:sp>
+        <p:nvSpPr>
+          <p:cNvPr id="78" name="Oval 77"/>
+          <p:cNvSpPr/>
+          <p:nvPr/>
+        </p:nvSpPr>
+        <p:spPr>
+          <a:xfrm>
+            <a:off x="3745121" y="3910918"/>
+            <a:ext cx="1267221" cy="1267221"/>
+          </a:xfrm>
+          <a:prstGeom prst="ellipse">
+            <a:avLst/>
+          </a:prstGeom>
+          <a:noFill/>
+          <a:ln w="38100" cap="flat" cmpd="sng" algn="ctr">
+            <a:solidFill>
+              <a:schemeClr val="dk1"/>
+            </a:solidFill>
+            <a:prstDash val="solid"/>
+            <a:round/>
+            <a:headEnd type="none" w="med" len="med"/>
+            <a:tailEnd type="none" w="med" len="med"/>
+          </a:ln>
+        </p:spPr>
+        <p:style>
+          <a:lnRef idx="0">
+            <a:scrgbClr r="0" g="0" b="0"/>
+          </a:lnRef>
+          <a:fillRef idx="0">
+            <a:scrgbClr r="0" g="0" b="0"/>
+          </a:fillRef>
+          <a:effectRef idx="0">
+            <a:scrgbClr r="0" g="0" b="0"/>
+          </a:effectRef>
+          <a:fontRef idx="minor">
+            <a:schemeClr val="dk1"/>
+          </a:fontRef>
+        </p:style>
+        <p:txBody>
+          <a:bodyPr rot="0" spcFirstLastPara="0" vertOverflow="overflow" horzOverflow="overflow" vert="horz" wrap="square" lIns="162560" tIns="81282" rIns="162560" bIns="81282" numCol="1" spcCol="0" rtlCol="0" fromWordArt="0" anchor="ctr" anchorCtr="0" forceAA="0" compatLnSpc="1">
+            <a:prstTxWarp prst="textNoShape">
+              <a:avLst/>
+            </a:prstTxWarp>
+            <a:noAutofit/>
+          </a:bodyPr>
+          <a:lstStyle/>
+          <a:p>
+            <a:pPr algn="ctr"/>
+            <a:endParaRPr lang="de-AT" sz="3202"/>
+          </a:p>
+        </p:txBody>
+      </p:sp>
+      <p:sp>
+        <p:nvSpPr>
+          <p:cNvPr id="79" name="Oval 78"/>
+          <p:cNvSpPr/>
+          <p:nvPr/>
+        </p:nvSpPr>
+        <p:spPr>
+          <a:xfrm>
+            <a:off x="3745121" y="5645706"/>
+            <a:ext cx="1267221" cy="1267221"/>
+          </a:xfrm>
+          <a:prstGeom prst="ellipse">
+            <a:avLst/>
+          </a:prstGeom>
+          <a:noFill/>
+          <a:ln w="38100" cap="flat" cmpd="sng" algn="ctr">
+            <a:solidFill>
+              <a:schemeClr val="dk1"/>
+            </a:solidFill>
+            <a:prstDash val="solid"/>
+            <a:round/>
+            <a:headEnd type="none" w="med" len="med"/>
+            <a:tailEnd type="none" w="med" len="med"/>
+          </a:ln>
+        </p:spPr>
+        <p:style>
+          <a:lnRef idx="0">
+            <a:scrgbClr r="0" g="0" b="0"/>
+          </a:lnRef>
+          <a:fillRef idx="0">
+            <a:scrgbClr r="0" g="0" b="0"/>
+          </a:fillRef>
+          <a:effectRef idx="0">
+            <a:scrgbClr r="0" g="0" b="0"/>
+          </a:effectRef>
+          <a:fontRef idx="minor">
+            <a:schemeClr val="dk1"/>
+          </a:fontRef>
+        </p:style>
+        <p:txBody>
+          <a:bodyPr rot="0" spcFirstLastPara="0" vertOverflow="overflow" horzOverflow="overflow" vert="horz" wrap="square" lIns="162560" tIns="81282" rIns="162560" bIns="81282" numCol="1" spcCol="0" rtlCol="0" fromWordArt="0" anchor="ctr" anchorCtr="0" forceAA="0" compatLnSpc="1">
+            <a:prstTxWarp prst="textNoShape">
+              <a:avLst/>
+            </a:prstTxWarp>
+            <a:noAutofit/>
+          </a:bodyPr>
+          <a:lstStyle/>
+          <a:p>
+            <a:pPr algn="ctr"/>
+            <a:endParaRPr lang="de-AT" sz="3202"/>
+          </a:p>
+        </p:txBody>
+      </p:sp>
+      <p:pic>
+        <p:nvPicPr>
+          <p:cNvPr id="80" name="Picture 79"/>
+          <p:cNvPicPr>
+            <a:picLocks noChangeAspect="1"/>
+          </p:cNvPicPr>
+          <p:nvPr/>
+        </p:nvPicPr>
+        <p:blipFill>
+          <a:blip r:embed="rId2">
+            <a:extLst>
+              <a:ext uri="{28A0092B-C50C-407E-A947-70E740481C1C}">
+                <a14:useLocalDpi xmlns:a14="http://schemas.microsoft.com/office/drawing/2010/main" val="0"/>
+              </a:ext>
+            </a:extLst>
+          </a:blip>
+          <a:stretch>
+            <a:fillRect/>
+          </a:stretch>
+        </p:blipFill>
+        <p:spPr>
+          <a:xfrm>
+            <a:off x="3888418" y="4209573"/>
+            <a:ext cx="1015085" cy="700408"/>
+          </a:xfrm>
+          <a:prstGeom prst="rect">
+            <a:avLst/>
+          </a:prstGeom>
+        </p:spPr>
+      </p:pic>
+      <p:pic>
+        <p:nvPicPr>
+          <p:cNvPr id="81" name="Picture 80"/>
+          <p:cNvPicPr>
+            <a:picLocks noChangeAspect="1"/>
+          </p:cNvPicPr>
+          <p:nvPr/>
+        </p:nvPicPr>
+        <p:blipFill>
+          <a:blip r:embed="rId3">
+            <a:extLst>
+              <a:ext uri="{28A0092B-C50C-407E-A947-70E740481C1C}">
+                <a14:useLocalDpi xmlns:a14="http://schemas.microsoft.com/office/drawing/2010/main" val="0"/>
+              </a:ext>
+            </a:extLst>
+          </a:blip>
+          <a:stretch>
+            <a:fillRect/>
+          </a:stretch>
+        </p:blipFill>
+        <p:spPr>
+          <a:xfrm>
+            <a:off x="3999523" y="2449046"/>
+            <a:ext cx="785145" cy="785145"/>
+          </a:xfrm>
+          <a:prstGeom prst="rect">
+            <a:avLst/>
+          </a:prstGeom>
+        </p:spPr>
+      </p:pic>
+      <p:pic>
+        <p:nvPicPr>
+          <p:cNvPr id="82" name="Picture 81"/>
+          <p:cNvPicPr>
+            <a:picLocks noChangeAspect="1"/>
+          </p:cNvPicPr>
+          <p:nvPr/>
+        </p:nvPicPr>
+        <p:blipFill>
+          <a:blip r:embed="rId4">
+            <a:extLst>
+              <a:ext uri="{28A0092B-C50C-407E-A947-70E740481C1C}">
+                <a14:useLocalDpi xmlns:a14="http://schemas.microsoft.com/office/drawing/2010/main" val="0"/>
+              </a:ext>
+            </a:extLst>
+          </a:blip>
+          <a:stretch>
+            <a:fillRect/>
+          </a:stretch>
+        </p:blipFill>
+        <p:spPr>
+          <a:xfrm>
+            <a:off x="3976292" y="5888947"/>
+            <a:ext cx="851918" cy="851918"/>
+          </a:xfrm>
+          <a:prstGeom prst="rect">
+            <a:avLst/>
+          </a:prstGeom>
+        </p:spPr>
+      </p:pic>
+      <p:pic>
+        <p:nvPicPr>
+          <p:cNvPr id="83" name="Picture 82"/>
+          <p:cNvPicPr>
+            <a:picLocks noChangeAspect="1"/>
+          </p:cNvPicPr>
+          <p:nvPr/>
+        </p:nvPicPr>
+        <p:blipFill>
+          <a:blip r:embed="rId5">
+            <a:extLst>
+              <a:ext uri="{28A0092B-C50C-407E-A947-70E740481C1C}">
+                <a14:useLocalDpi xmlns:a14="http://schemas.microsoft.com/office/drawing/2010/main" val="0"/>
+              </a:ext>
+            </a:extLst>
+          </a:blip>
+          <a:stretch>
+            <a:fillRect/>
+          </a:stretch>
+        </p:blipFill>
+        <p:spPr>
+          <a:xfrm>
+            <a:off x="3806333" y="398237"/>
+            <a:ext cx="1115767" cy="981875"/>
+          </a:xfrm>
+          <a:prstGeom prst="rect">
+            <a:avLst/>
+          </a:prstGeom>
+        </p:spPr>
+      </p:pic>
+      <p:sp>
+        <p:nvSpPr>
+          <p:cNvPr id="84" name="Oval 83"/>
+          <p:cNvSpPr/>
+          <p:nvPr/>
+        </p:nvSpPr>
+        <p:spPr>
+          <a:xfrm>
+            <a:off x="5290894" y="241051"/>
+            <a:ext cx="1267221" cy="1267221"/>
+          </a:xfrm>
+          <a:prstGeom prst="ellipse">
+            <a:avLst/>
+          </a:prstGeom>
+          <a:noFill/>
+          <a:ln w="38100" cap="flat" cmpd="sng" algn="ctr">
+            <a:solidFill>
+              <a:schemeClr val="dk1"/>
+            </a:solidFill>
+            <a:prstDash val="solid"/>
+            <a:round/>
+            <a:headEnd type="none" w="med" len="med"/>
+            <a:tailEnd type="none" w="med" len="med"/>
+          </a:ln>
+        </p:spPr>
+        <p:style>
+          <a:lnRef idx="0">
+            <a:scrgbClr r="0" g="0" b="0"/>
+          </a:lnRef>
+          <a:fillRef idx="0">
+            <a:scrgbClr r="0" g="0" b="0"/>
+          </a:fillRef>
+          <a:effectRef idx="0">
+            <a:scrgbClr r="0" g="0" b="0"/>
+          </a:effectRef>
+          <a:fontRef idx="minor">
+            <a:schemeClr val="dk1"/>
+          </a:fontRef>
+        </p:style>
+        <p:txBody>
+          <a:bodyPr rot="0" spcFirstLastPara="0" vertOverflow="overflow" horzOverflow="overflow" vert="horz" wrap="square" lIns="162560" tIns="81282" rIns="162560" bIns="81282" numCol="1" spcCol="0" rtlCol="0" fromWordArt="0" anchor="ctr" anchorCtr="0" forceAA="0" compatLnSpc="1">
+            <a:prstTxWarp prst="textNoShape">
+              <a:avLst/>
+            </a:prstTxWarp>
+            <a:noAutofit/>
+          </a:bodyPr>
+          <a:lstStyle/>
+          <a:p>
+            <a:pPr algn="ctr"/>
+            <a:endParaRPr lang="de-AT" sz="3202"/>
+          </a:p>
+        </p:txBody>
+      </p:sp>
+      <p:sp>
+        <p:nvSpPr>
+          <p:cNvPr id="85" name="Oval 84"/>
+          <p:cNvSpPr/>
+          <p:nvPr/>
+        </p:nvSpPr>
+        <p:spPr>
+          <a:xfrm>
+            <a:off x="5290894" y="2196509"/>
+            <a:ext cx="1267221" cy="1267221"/>
+          </a:xfrm>
+          <a:prstGeom prst="ellipse">
+            <a:avLst/>
+          </a:prstGeom>
+          <a:noFill/>
+          <a:ln w="38100" cap="flat" cmpd="sng" algn="ctr">
+            <a:solidFill>
+              <a:schemeClr val="dk1"/>
+            </a:solidFill>
+            <a:prstDash val="solid"/>
+            <a:round/>
+            <a:headEnd type="none" w="med" len="med"/>
+            <a:tailEnd type="none" w="med" len="med"/>
+          </a:ln>
+        </p:spPr>
+        <p:style>
+          <a:lnRef idx="0">
+            <a:scrgbClr r="0" g="0" b="0"/>
+          </a:lnRef>
+          <a:fillRef idx="0">
+            <a:scrgbClr r="0" g="0" b="0"/>
+          </a:fillRef>
+          <a:effectRef idx="0">
+            <a:scrgbClr r="0" g="0" b="0"/>
+          </a:effectRef>
+          <a:fontRef idx="minor">
+            <a:schemeClr val="dk1"/>
+          </a:fontRef>
+        </p:style>
+        <p:txBody>
+          <a:bodyPr rot="0" spcFirstLastPara="0" vertOverflow="overflow" horzOverflow="overflow" vert="horz" wrap="square" lIns="162560" tIns="81282" rIns="162560" bIns="81282" numCol="1" spcCol="0" rtlCol="0" fromWordArt="0" anchor="ctr" anchorCtr="0" forceAA="0" compatLnSpc="1">
+            <a:prstTxWarp prst="textNoShape">
+              <a:avLst/>
+            </a:prstTxWarp>
+            <a:noAutofit/>
+          </a:bodyPr>
+          <a:lstStyle/>
+          <a:p>
+            <a:pPr algn="ctr"/>
+            <a:endParaRPr lang="de-AT" sz="3202"/>
+          </a:p>
+        </p:txBody>
+      </p:sp>
+      <p:sp>
+        <p:nvSpPr>
+          <p:cNvPr id="86" name="Oval 85"/>
+          <p:cNvSpPr/>
+          <p:nvPr/>
+        </p:nvSpPr>
+        <p:spPr>
+          <a:xfrm>
+            <a:off x="5290894" y="3910918"/>
+            <a:ext cx="1267221" cy="1267221"/>
+          </a:xfrm>
+          <a:prstGeom prst="ellipse">
+            <a:avLst/>
+          </a:prstGeom>
+          <a:noFill/>
+          <a:ln w="38100" cap="flat" cmpd="sng" algn="ctr">
+            <a:solidFill>
+              <a:schemeClr val="dk1"/>
+            </a:solidFill>
+            <a:prstDash val="solid"/>
+            <a:round/>
+            <a:headEnd type="none" w="med" len="med"/>
+            <a:tailEnd type="none" w="med" len="med"/>
+          </a:ln>
+        </p:spPr>
+        <p:style>
+          <a:lnRef idx="0">
+            <a:scrgbClr r="0" g="0" b="0"/>
+          </a:lnRef>
+          <a:fillRef idx="0">
+            <a:scrgbClr r="0" g="0" b="0"/>
+          </a:fillRef>
+          <a:effectRef idx="0">
+            <a:scrgbClr r="0" g="0" b="0"/>
+          </a:effectRef>
+          <a:fontRef idx="minor">
+            <a:schemeClr val="dk1"/>
+          </a:fontRef>
+        </p:style>
+        <p:txBody>
+          <a:bodyPr rot="0" spcFirstLastPara="0" vertOverflow="overflow" horzOverflow="overflow" vert="horz" wrap="square" lIns="162560" tIns="81282" rIns="162560" bIns="81282" numCol="1" spcCol="0" rtlCol="0" fromWordArt="0" anchor="ctr" anchorCtr="0" forceAA="0" compatLnSpc="1">
+            <a:prstTxWarp prst="textNoShape">
+              <a:avLst/>
+            </a:prstTxWarp>
+            <a:noAutofit/>
+          </a:bodyPr>
+          <a:lstStyle/>
+          <a:p>
+            <a:pPr algn="ctr"/>
+            <a:endParaRPr lang="de-AT" sz="3202"/>
+          </a:p>
+        </p:txBody>
+      </p:sp>
+      <p:sp>
+        <p:nvSpPr>
+          <p:cNvPr id="87" name="Oval 86"/>
+          <p:cNvSpPr/>
+          <p:nvPr/>
+        </p:nvSpPr>
+        <p:spPr>
+          <a:xfrm>
+            <a:off x="5290894" y="5645706"/>
+            <a:ext cx="1267221" cy="1267221"/>
+          </a:xfrm>
+          <a:prstGeom prst="ellipse">
+            <a:avLst/>
+          </a:prstGeom>
+          <a:noFill/>
+          <a:ln w="38100" cap="flat" cmpd="sng" algn="ctr">
+            <a:solidFill>
+              <a:schemeClr val="dk1"/>
+            </a:solidFill>
+            <a:prstDash val="solid"/>
+            <a:round/>
+            <a:headEnd type="none" w="med" len="med"/>
+            <a:tailEnd type="none" w="med" len="med"/>
+          </a:ln>
+        </p:spPr>
+        <p:style>
+          <a:lnRef idx="0">
+            <a:scrgbClr r="0" g="0" b="0"/>
+          </a:lnRef>
+          <a:fillRef idx="0">
+            <a:scrgbClr r="0" g="0" b="0"/>
+          </a:fillRef>
+          <a:effectRef idx="0">
+            <a:scrgbClr r="0" g="0" b="0"/>
+          </a:effectRef>
+          <a:fontRef idx="minor">
+            <a:schemeClr val="dk1"/>
+          </a:fontRef>
+        </p:style>
+        <p:txBody>
+          <a:bodyPr rot="0" spcFirstLastPara="0" vertOverflow="overflow" horzOverflow="overflow" vert="horz" wrap="square" lIns="162560" tIns="81282" rIns="162560" bIns="81282" numCol="1" spcCol="0" rtlCol="0" fromWordArt="0" anchor="ctr" anchorCtr="0" forceAA="0" compatLnSpc="1">
+            <a:prstTxWarp prst="textNoShape">
+              <a:avLst/>
+            </a:prstTxWarp>
+            <a:noAutofit/>
+          </a:bodyPr>
+          <a:lstStyle/>
+          <a:p>
+            <a:pPr algn="ctr"/>
+            <a:endParaRPr lang="de-AT" sz="3202"/>
+          </a:p>
+        </p:txBody>
+      </p:sp>
+      <p:pic>
+        <p:nvPicPr>
+          <p:cNvPr id="88" name="Picture 87"/>
+          <p:cNvPicPr>
+            <a:picLocks noChangeAspect="1"/>
+          </p:cNvPicPr>
+          <p:nvPr/>
+        </p:nvPicPr>
+        <p:blipFill>
+          <a:blip r:embed="rId2">
+            <a:extLst>
+              <a:ext uri="{28A0092B-C50C-407E-A947-70E740481C1C}">
+                <a14:useLocalDpi xmlns:a14="http://schemas.microsoft.com/office/drawing/2010/main" val="0"/>
+              </a:ext>
+            </a:extLst>
+          </a:blip>
+          <a:stretch>
+            <a:fillRect/>
+          </a:stretch>
+        </p:blipFill>
+        <p:spPr>
+          <a:xfrm>
+            <a:off x="5434191" y="4209573"/>
+            <a:ext cx="1015085" cy="700408"/>
+          </a:xfrm>
+          <a:prstGeom prst="rect">
+            <a:avLst/>
+          </a:prstGeom>
+        </p:spPr>
+      </p:pic>
+      <p:pic>
+        <p:nvPicPr>
+          <p:cNvPr id="89" name="Picture 88"/>
+          <p:cNvPicPr>
+            <a:picLocks noChangeAspect="1"/>
+          </p:cNvPicPr>
+          <p:nvPr/>
+        </p:nvPicPr>
+        <p:blipFill>
+          <a:blip r:embed="rId3">
+            <a:extLst>
+              <a:ext uri="{28A0092B-C50C-407E-A947-70E740481C1C}">
+                <a14:useLocalDpi xmlns:a14="http://schemas.microsoft.com/office/drawing/2010/main" val="0"/>
+              </a:ext>
+            </a:extLst>
+          </a:blip>
+          <a:stretch>
+            <a:fillRect/>
+          </a:stretch>
+        </p:blipFill>
+        <p:spPr>
+          <a:xfrm>
+            <a:off x="5545296" y="2449046"/>
+            <a:ext cx="785145" cy="785145"/>
+          </a:xfrm>
+          <a:prstGeom prst="rect">
+            <a:avLst/>
+          </a:prstGeom>
+        </p:spPr>
+      </p:pic>
+      <p:pic>
+        <p:nvPicPr>
+          <p:cNvPr id="90" name="Picture 89"/>
+          <p:cNvPicPr>
+            <a:picLocks noChangeAspect="1"/>
+          </p:cNvPicPr>
+          <p:nvPr/>
+        </p:nvPicPr>
+        <p:blipFill>
+          <a:blip r:embed="rId4">
+            <a:extLst>
+              <a:ext uri="{28A0092B-C50C-407E-A947-70E740481C1C}">
+                <a14:useLocalDpi xmlns:a14="http://schemas.microsoft.com/office/drawing/2010/main" val="0"/>
+              </a:ext>
+            </a:extLst>
+          </a:blip>
+          <a:stretch>
+            <a:fillRect/>
+          </a:stretch>
+        </p:blipFill>
+        <p:spPr>
+          <a:xfrm>
+            <a:off x="5522065" y="5888947"/>
+            <a:ext cx="851918" cy="851918"/>
+          </a:xfrm>
+          <a:prstGeom prst="rect">
+            <a:avLst/>
+          </a:prstGeom>
+        </p:spPr>
+      </p:pic>
+      <p:pic>
+        <p:nvPicPr>
+          <p:cNvPr id="91" name="Picture 90"/>
+          <p:cNvPicPr>
+            <a:picLocks noChangeAspect="1"/>
+          </p:cNvPicPr>
+          <p:nvPr/>
+        </p:nvPicPr>
+        <p:blipFill>
+          <a:blip r:embed="rId5">
+            <a:extLst>
+              <a:ext uri="{28A0092B-C50C-407E-A947-70E740481C1C}">
+                <a14:useLocalDpi xmlns:a14="http://schemas.microsoft.com/office/drawing/2010/main" val="0"/>
+              </a:ext>
+            </a:extLst>
+          </a:blip>
+          <a:stretch>
+            <a:fillRect/>
+          </a:stretch>
+        </p:blipFill>
+        <p:spPr>
+          <a:xfrm>
+            <a:off x="5352106" y="398237"/>
+            <a:ext cx="1115767" cy="981875"/>
+          </a:xfrm>
+          <a:prstGeom prst="rect">
+            <a:avLst/>
+          </a:prstGeom>
+        </p:spPr>
+      </p:pic>
+    </p:spTree>
+    <p:extLst>
+      <p:ext uri="{BB962C8B-B14F-4D97-AF65-F5344CB8AC3E}">
+        <p14:creationId xmlns:p14="http://schemas.microsoft.com/office/powerpoint/2010/main" val="3795613954"/>
       </p:ext>
     </p:extLst>
   </p:cSld>
